--- a/sd/qa/unit/data/pptx/tdf148665.pptx
+++ b/sd/qa/unit/data/pptx/tdf148665.pptx
@@ -873,7 +873,7 @@
         <a:p>
           <a:r>
             <a:rPr lang="de-DE" dirty="0" err="1">
-              <a:latin typeface="Poppins Medium"/>
+              <a:latin typeface="Noto Sans"/>
             </a:rPr>
             <a:t>Fufufu</a:t>
           </a:r>
@@ -912,7 +912,7 @@
         <a:p>
           <a:r>
             <a:rPr lang="de-DE" dirty="0" err="1">
-              <a:latin typeface="Poppins Medium"/>
+              <a:latin typeface="Noto Sans"/>
             </a:rPr>
             <a:t>Susu</a:t>
           </a:r>
@@ -952,7 +952,7 @@
           <a:pPr rtl="0"/>
           <a:r>
             <a:rPr lang="de-DE" dirty="0">
-              <a:latin typeface="Poppins Medium"/>
+              <a:latin typeface="Noto Sans"/>
             </a:rPr>
             <a:t>Sasa Haha</a:t>
           </a:r>
@@ -1196,7 +1196,7 @@
           </a:pPr>
           <a:r>
             <a:rPr lang="de-DE" sz="1500" kern="1200" dirty="0" err="1">
-              <a:latin typeface="Poppins Medium"/>
+              <a:latin typeface="Noto Sans"/>
             </a:rPr>
             <a:t>Fufufu</a:t>
           </a:r>
@@ -1277,7 +1277,7 @@
           </a:pPr>
           <a:r>
             <a:rPr lang="de-DE" sz="1500" kern="1200" dirty="0" err="1">
-              <a:latin typeface="Poppins Medium"/>
+              <a:latin typeface="Noto Sans"/>
             </a:rPr>
             <a:t>Susu</a:t>
           </a:r>
@@ -1358,7 +1358,7 @@
           </a:pPr>
           <a:r>
             <a:rPr lang="de-DE" sz="1500" kern="1200" dirty="0">
-              <a:latin typeface="Poppins Medium"/>
+              <a:latin typeface="Noto Sans"/>
             </a:rPr>
             <a:t>Sasa Haha</a:t>
           </a:r>
